--- a/SmartInternsIBM_AIGenes.pptx
+++ b/SmartInternsIBM_AIGenes.pptx
@@ -13337,10 +13337,10 @@
       </p:sp>
       <p:pic>
         <p:nvPicPr>
-          <p:cNvPr id="4" name="Picture 3">
+          <p:cNvPr id="3" name="Picture 2">
             <a:extLst>
               <a:ext uri="{FF2B5EF4-FFF2-40B4-BE49-F238E27FC236}">
-                <a16:creationId xmlns:a16="http://schemas.microsoft.com/office/drawing/2014/main" id="{F9F5F763-FE97-448F-8FCB-B13A0B02991D}"/>
+                <a16:creationId xmlns:a16="http://schemas.microsoft.com/office/drawing/2014/main" id="{6C48D5A6-D5C4-4A8D-9B8D-36F2486DAB08}"/>
               </a:ext>
             </a:extLst>
           </p:cNvPr>
@@ -13351,13 +13351,13 @@
         </p:nvPicPr>
         <p:blipFill rotWithShape="1">
           <a:blip r:embed="rId2"/>
-          <a:srcRect t="8858" b="11411"/>
+          <a:srcRect t="9799" b="4948"/>
           <a:stretch/>
         </p:blipFill>
         <p:spPr>
           <a:xfrm>
-            <a:off x="1099930" y="1669775"/>
-            <a:ext cx="9992139" cy="4479235"/>
+            <a:off x="1295402" y="1669775"/>
+            <a:ext cx="9601196" cy="4602000"/>
           </a:xfrm>
           <a:prstGeom prst="rect">
             <a:avLst/>
